--- a/docs/concept.pptx
+++ b/docs/concept.pptx
@@ -3085,8 +3085,8 @@
         </p:nvSpPr>
         <p:spPr>
           <a:xfrm>
-            <a:off x="2678806" y="4129163"/>
-            <a:ext cx="1622738" cy="811369"/>
+            <a:off x="3028708" y="4129164"/>
+            <a:ext cx="1272836" cy="654328"/>
           </a:xfrm>
           <a:prstGeom prst="rect">
             <a:avLst/>
@@ -3122,11 +3122,6 @@
               </a:rPr>
               <a:t>GS1</a:t>
             </a:r>
-            <a:endParaRPr lang="en-US" dirty="0">
-              <a:solidFill>
-                <a:schemeClr val="tx1"/>
-              </a:solidFill>
-            </a:endParaRPr>
           </a:p>
         </p:txBody>
       </p:sp>
@@ -3138,7 +3133,7 @@
         </p:nvGrpSpPr>
         <p:grpSpPr>
           <a:xfrm>
-            <a:off x="616600" y="4086959"/>
+            <a:off x="-44581" y="4086959"/>
             <a:ext cx="1738649" cy="1149789"/>
             <a:chOff x="616600" y="3383576"/>
             <a:chExt cx="1738649" cy="1149789"/>
@@ -3260,8 +3255,8 @@
         </p:nvCxnSpPr>
         <p:spPr>
           <a:xfrm>
-            <a:off x="1636689" y="4435225"/>
-            <a:ext cx="1042117" cy="99623"/>
+            <a:off x="975508" y="4435225"/>
+            <a:ext cx="2053200" cy="21103"/>
           </a:xfrm>
           <a:prstGeom prst="bentConnector3">
             <a:avLst/>
@@ -3455,8 +3450,8 @@
         </p:nvCxnSpPr>
         <p:spPr>
           <a:xfrm>
-            <a:off x="4301544" y="4534848"/>
-            <a:ext cx="1227059" cy="937483"/>
+            <a:off x="4301544" y="4456328"/>
+            <a:ext cx="1227059" cy="1016003"/>
           </a:xfrm>
           <a:prstGeom prst="bentConnector3">
             <a:avLst/>
@@ -3994,8 +3989,8 @@
         </p:nvSpPr>
         <p:spPr>
           <a:xfrm>
-            <a:off x="2310148" y="3556780"/>
-            <a:ext cx="2653404" cy="2841674"/>
+            <a:off x="2686928" y="2393824"/>
+            <a:ext cx="1970639" cy="4004630"/>
           </a:xfrm>
           <a:prstGeom prst="rect">
             <a:avLst/>
@@ -4067,6 +4062,72 @@
           </a:fontRef>
         </p:style>
       </p:cxnSp>
+      <p:sp>
+        <p:nvSpPr>
+          <p:cNvPr id="73" name="TextBox 72"/>
+          <p:cNvSpPr txBox="1"/>
+          <p:nvPr/>
+        </p:nvSpPr>
+        <p:spPr>
+          <a:xfrm>
+            <a:off x="1007276" y="3784895"/>
+            <a:ext cx="1868325" cy="646331"/>
+          </a:xfrm>
+          <a:prstGeom prst="rect">
+            <a:avLst/>
+          </a:prstGeom>
+          <a:noFill/>
+        </p:spPr>
+        <p:txBody>
+          <a:bodyPr wrap="square" rtlCol="0">
+            <a:spAutoFit/>
+          </a:bodyPr>
+          <a:lstStyle/>
+          <a:p>
+            <a:pPr marL="171450" indent="-171450">
+              <a:buFont typeface="Arial" panose="020B0604020202020204" pitchFamily="34" charset="0"/>
+              <a:buChar char="•"/>
+            </a:pPr>
+            <a:r>
+              <a:rPr lang="en-US" sz="1200" dirty="0" smtClean="0">
+                <a:solidFill>
+                  <a:schemeClr val="tx1"/>
+                </a:solidFill>
+              </a:rPr>
+              <a:t>GCP-based categories</a:t>
+            </a:r>
+          </a:p>
+          <a:p>
+            <a:pPr marL="171450" indent="-171450">
+              <a:buFont typeface="Arial" panose="020B0604020202020204" pitchFamily="34" charset="0"/>
+              <a:buChar char="•"/>
+            </a:pPr>
+            <a:r>
+              <a:rPr lang="en-US" sz="1200" dirty="0" smtClean="0">
+                <a:solidFill>
+                  <a:schemeClr val="tx1"/>
+                </a:solidFill>
+              </a:rPr>
+              <a:t>Product description</a:t>
+            </a:r>
+          </a:p>
+          <a:p>
+            <a:pPr marL="171450" indent="-171450">
+              <a:buFont typeface="Arial" panose="020B0604020202020204" pitchFamily="34" charset="0"/>
+              <a:buChar char="•"/>
+            </a:pPr>
+            <a:r>
+              <a:rPr lang="en-US" sz="1200" dirty="0" smtClean="0"/>
+              <a:t>Attribute-values</a:t>
+            </a:r>
+            <a:endParaRPr lang="en-US" sz="1200" dirty="0">
+              <a:solidFill>
+                <a:schemeClr val="tx1"/>
+              </a:solidFill>
+            </a:endParaRPr>
+          </a:p>
+        </p:txBody>
+      </p:sp>
     </p:spTree>
     <p:extLst>
       <p:ext uri="{BB962C8B-B14F-4D97-AF65-F5344CB8AC3E}">
